--- a/T1. Design Patterns/Flyweight/Demo.pptx
+++ b/T1. Design Patterns/Flyweight/Demo.pptx
@@ -5,7 +5,7 @@
     <p:sldMasterId id="2147483648" r:id="rId1"/>
   </p:sldMasterIdLst>
   <p:notesMasterIdLst>
-    <p:notesMasterId r:id="rId17"/>
+    <p:notesMasterId r:id="rId18"/>
   </p:notesMasterIdLst>
   <p:sldIdLst>
     <p:sldId id="258" r:id="rId2"/>
@@ -14,15 +14,16 @@
     <p:sldId id="261" r:id="rId5"/>
     <p:sldId id="262" r:id="rId6"/>
     <p:sldId id="263" r:id="rId7"/>
-    <p:sldId id="271" r:id="rId8"/>
-    <p:sldId id="264" r:id="rId9"/>
-    <p:sldId id="266" r:id="rId10"/>
-    <p:sldId id="267" r:id="rId11"/>
-    <p:sldId id="268" r:id="rId12"/>
-    <p:sldId id="269" r:id="rId13"/>
-    <p:sldId id="270" r:id="rId14"/>
-    <p:sldId id="272" r:id="rId15"/>
-    <p:sldId id="273" r:id="rId16"/>
+    <p:sldId id="264" r:id="rId8"/>
+    <p:sldId id="274" r:id="rId9"/>
+    <p:sldId id="275" r:id="rId10"/>
+    <p:sldId id="266" r:id="rId11"/>
+    <p:sldId id="267" r:id="rId12"/>
+    <p:sldId id="268" r:id="rId13"/>
+    <p:sldId id="269" r:id="rId14"/>
+    <p:sldId id="270" r:id="rId15"/>
+    <p:sldId id="272" r:id="rId16"/>
+    <p:sldId id="273" r:id="rId17"/>
   </p:sldIdLst>
   <p:sldSz cx="12192000" cy="6858000"/>
   <p:notesSz cx="6858000" cy="9144000"/>
@@ -211,7 +212,7 @@
           <a:p>
             <a:fld id="{C6576F63-835E-46F5-AEB3-90A06FD74112}" type="datetimeFigureOut">
               <a:rPr lang="en-US" smtClean="0"/>
-              <a:t>8/9/2018</a:t>
+              <a:t>8/14/2018</a:t>
             </a:fld>
             <a:endParaRPr lang="en-US"/>
           </a:p>
@@ -606,6 +607,66 @@
           <a:bodyPr/>
           <a:lstStyle/>
           <a:p>
+            <a:r>
+              <a:rPr lang="en-US" sz="1200" b="0" i="0" kern="1200" dirty="0" smtClean="0">
+                <a:solidFill>
+                  <a:schemeClr val="tx1"/>
+                </a:solidFill>
+                <a:effectLst/>
+                <a:latin typeface="+mn-lt"/>
+                <a:ea typeface="+mn-ea"/>
+                <a:cs typeface="+mn-cs"/>
+              </a:rPr>
+              <a:t>The </a:t>
+            </a:r>
+            <a:r>
+              <a:rPr lang="en-US" dirty="0" smtClean="0"/>
+              <a:t>Ant</a:t>
+            </a:r>
+            <a:r>
+              <a:rPr lang="en-US" sz="1200" b="0" i="0" kern="1200" dirty="0" smtClean="0">
+                <a:solidFill>
+                  <a:schemeClr val="tx1"/>
+                </a:solidFill>
+                <a:effectLst/>
+                <a:latin typeface="+mn-lt"/>
+                <a:ea typeface="+mn-ea"/>
+                <a:cs typeface="+mn-cs"/>
+              </a:rPr>
+              <a:t>, </a:t>
+            </a:r>
+            <a:r>
+              <a:rPr lang="en-US" dirty="0" smtClean="0"/>
+              <a:t>Locust</a:t>
+            </a:r>
+            <a:r>
+              <a:rPr lang="en-US" sz="1200" b="0" i="0" kern="1200" dirty="0" smtClean="0">
+                <a:solidFill>
+                  <a:schemeClr val="tx1"/>
+                </a:solidFill>
+                <a:effectLst/>
+                <a:latin typeface="+mn-lt"/>
+                <a:ea typeface="+mn-ea"/>
+                <a:cs typeface="+mn-cs"/>
+              </a:rPr>
+              <a:t>, and </a:t>
+            </a:r>
+            <a:r>
+              <a:rPr lang="en-US" dirty="0" smtClean="0"/>
+              <a:t>Cockroach</a:t>
+            </a:r>
+            <a:r>
+              <a:rPr lang="en-US" sz="1200" b="0" i="0" kern="1200" dirty="0" smtClean="0">
+                <a:solidFill>
+                  <a:schemeClr val="tx1"/>
+                </a:solidFill>
+                <a:effectLst/>
+                <a:latin typeface="+mn-lt"/>
+                <a:ea typeface="+mn-ea"/>
+                <a:cs typeface="+mn-cs"/>
+              </a:rPr>
+              <a:t> classes can be "light-weight" because their instance-specific state has been de-encapsulated, or externalized, and must be supplied by the client.</a:t>
+            </a:r>
             <a:endParaRPr lang="en-US" dirty="0"/>
           </a:p>
         </p:txBody>
@@ -627,7 +688,7 @@
           <a:p>
             <a:fld id="{F620B9DD-4E80-470F-B438-047D7BDD8590}" type="slidenum">
               <a:rPr lang="en-US" smtClean="0"/>
-              <a:t>7</a:t>
+              <a:t>9</a:t>
             </a:fld>
             <a:endParaRPr lang="en-US"/>
           </a:p>
@@ -636,7 +697,7 @@
     </p:spTree>
     <p:extLst>
       <p:ext uri="{BB962C8B-B14F-4D97-AF65-F5344CB8AC3E}">
-        <p14:creationId xmlns:p14="http://schemas.microsoft.com/office/powerpoint/2010/main" val="2168151915"/>
+        <p14:creationId xmlns:p14="http://schemas.microsoft.com/office/powerpoint/2010/main" val="388736846"/>
       </p:ext>
     </p:extLst>
   </p:cSld>
@@ -3147,8 +3208,8 @@
               <a:t>Design Patterns. </a:t>
             </a:r>
             <a:r>
-              <a:rPr lang="en-US" dirty="0"/>
-              <a:t>Singleton</a:t>
+              <a:rPr lang="en-US" dirty="0" smtClean="0"/>
+              <a:t>Flyweight</a:t>
             </a:r>
             <a:r>
               <a:rPr lang="en-US" b="1" dirty="0"/>
@@ -3204,6 +3265,95 @@
           <a:lstStyle/>
           <a:p>
             <a:r>
+              <a:rPr lang="en-US" b="1" dirty="0" smtClean="0"/>
+              <a:t>Example</a:t>
+            </a:r>
+            <a:endParaRPr lang="en-US" dirty="0"/>
+          </a:p>
+        </p:txBody>
+      </p:sp>
+      <p:sp>
+        <p:nvSpPr>
+          <p:cNvPr id="3" name="Content Placeholder 2"/>
+          <p:cNvSpPr>
+            <a:spLocks noGrp="1"/>
+          </p:cNvSpPr>
+          <p:nvPr>
+            <p:ph idx="1"/>
+          </p:nvPr>
+        </p:nvSpPr>
+        <p:spPr>
+          <a:xfrm>
+            <a:off x="313426" y="894080"/>
+            <a:ext cx="11515715" cy="4853577"/>
+          </a:xfrm>
+        </p:spPr>
+        <p:txBody>
+          <a:bodyPr>
+            <a:normAutofit/>
+          </a:bodyPr>
+          <a:lstStyle/>
+          <a:p>
+            <a:pPr marL="0" indent="0">
+              <a:lnSpc>
+                <a:spcPct val="150000"/>
+              </a:lnSpc>
+              <a:buNone/>
+            </a:pPr>
+            <a:r>
+              <a:rPr lang="en-US" dirty="0"/>
+              <a:t>The Flyweight uses sharing to support large numbers of objects efficiently. Modern web browsers use this technique to prevent loading same images twice. When browser loads a web page, it traverse through all images on that page. Browser loads all new images from Internet and places them the internal cache. For already loaded images, a flyweight object is created, which has some unique data like position within the page, but everything else is referenced to the cached one.</a:t>
+            </a:r>
+            <a:endParaRPr lang="en-US" dirty="0"/>
+          </a:p>
+        </p:txBody>
+      </p:sp>
+    </p:spTree>
+    <p:extLst>
+      <p:ext uri="{BB962C8B-B14F-4D97-AF65-F5344CB8AC3E}">
+        <p14:creationId xmlns:p14="http://schemas.microsoft.com/office/powerpoint/2010/main" val="3230547019"/>
+      </p:ext>
+    </p:extLst>
+  </p:cSld>
+  <p:clrMapOvr>
+    <a:masterClrMapping/>
+  </p:clrMapOvr>
+</p:sld>
+</file>
+
+<file path=ppt/slides/slide11.xml><?xml version="1.0" encoding="utf-8"?>
+<p:sld xmlns:a="http://schemas.openxmlformats.org/drawingml/2006/main" xmlns:r="http://schemas.openxmlformats.org/officeDocument/2006/relationships" xmlns:p="http://schemas.openxmlformats.org/presentationml/2006/main">
+  <p:cSld>
+    <p:spTree>
+      <p:nvGrpSpPr>
+        <p:cNvPr id="1" name=""/>
+        <p:cNvGrpSpPr/>
+        <p:nvPr/>
+      </p:nvGrpSpPr>
+      <p:grpSpPr>
+        <a:xfrm>
+          <a:off x="0" y="0"/>
+          <a:ext cx="0" cy="0"/>
+          <a:chOff x="0" y="0"/>
+          <a:chExt cx="0" cy="0"/>
+        </a:xfrm>
+      </p:grpSpPr>
+      <p:sp>
+        <p:nvSpPr>
+          <p:cNvPr id="2" name="Title 1"/>
+          <p:cNvSpPr>
+            <a:spLocks noGrp="1"/>
+          </p:cNvSpPr>
+          <p:nvPr>
+            <p:ph type="title"/>
+          </p:nvPr>
+        </p:nvSpPr>
+        <p:spPr/>
+        <p:txBody>
+          <a:bodyPr/>
+          <a:lstStyle/>
+          <a:p>
+            <a:r>
               <a:rPr lang="en-US" b="1" dirty="0"/>
               <a:t>Example</a:t>
             </a:r>
@@ -3213,7 +3363,7 @@
       </p:sp>
       <p:pic>
         <p:nvPicPr>
-          <p:cNvPr id="3" name="Picture 2" descr="Example of Singleton."/>
+          <p:cNvPr id="3074" name="Picture 2" descr="Flyweight example"/>
           <p:cNvPicPr>
             <a:picLocks noChangeAspect="1" noChangeArrowheads="1"/>
           </p:cNvPicPr>
@@ -3234,8 +3384,8 @@
         </p:blipFill>
         <p:spPr bwMode="auto">
           <a:xfrm>
-            <a:off x="2268854" y="1824672"/>
-            <a:ext cx="7322185" cy="3749314"/>
+            <a:off x="841374" y="1861456"/>
+            <a:ext cx="10588625" cy="4791233"/>
           </a:xfrm>
           <a:prstGeom prst="rect">
             <a:avLst/>
@@ -3265,171 +3415,6 @@
 </p:sld>
 </file>
 
-<file path=ppt/slides/slide11.xml><?xml version="1.0" encoding="utf-8"?>
-<p:sld xmlns:a="http://schemas.openxmlformats.org/drawingml/2006/main" xmlns:r="http://schemas.openxmlformats.org/officeDocument/2006/relationships" xmlns:p="http://schemas.openxmlformats.org/presentationml/2006/main">
-  <p:cSld>
-    <p:spTree>
-      <p:nvGrpSpPr>
-        <p:cNvPr id="1" name=""/>
-        <p:cNvGrpSpPr/>
-        <p:nvPr/>
-      </p:nvGrpSpPr>
-      <p:grpSpPr>
-        <a:xfrm>
-          <a:off x="0" y="0"/>
-          <a:ext cx="0" cy="0"/>
-          <a:chOff x="0" y="0"/>
-          <a:chExt cx="0" cy="0"/>
-        </a:xfrm>
-      </p:grpSpPr>
-      <p:sp>
-        <p:nvSpPr>
-          <p:cNvPr id="2" name="Title 1"/>
-          <p:cNvSpPr>
-            <a:spLocks noGrp="1"/>
-          </p:cNvSpPr>
-          <p:nvPr>
-            <p:ph type="title"/>
-          </p:nvPr>
-        </p:nvSpPr>
-        <p:spPr/>
-        <p:txBody>
-          <a:bodyPr/>
-          <a:lstStyle/>
-          <a:p>
-            <a:r>
-              <a:rPr lang="en-US" b="1" dirty="0"/>
-              <a:t>Check </a:t>
-            </a:r>
-            <a:r>
-              <a:rPr lang="en-US" b="1" dirty="0" smtClean="0"/>
-              <a:t>list</a:t>
-            </a:r>
-            <a:endParaRPr lang="en-US" dirty="0"/>
-          </a:p>
-        </p:txBody>
-      </p:sp>
-      <p:sp>
-        <p:nvSpPr>
-          <p:cNvPr id="3" name="Content Placeholder 2"/>
-          <p:cNvSpPr>
-            <a:spLocks noGrp="1"/>
-          </p:cNvSpPr>
-          <p:nvPr>
-            <p:ph idx="1"/>
-          </p:nvPr>
-        </p:nvSpPr>
-        <p:spPr/>
-        <p:txBody>
-          <a:bodyPr>
-            <a:normAutofit/>
-          </a:bodyPr>
-          <a:lstStyle/>
-          <a:p>
-            <a:pPr marL="514350" indent="-514350" algn="just">
-              <a:lnSpc>
-                <a:spcPct val="150000"/>
-              </a:lnSpc>
-              <a:buFont typeface="+mj-lt"/>
-              <a:buAutoNum type="arabicPeriod"/>
-            </a:pPr>
-            <a:r>
-              <a:rPr lang="en-US" dirty="0"/>
-              <a:t>Define a private static attribute in the "single instance" class.</a:t>
-            </a:r>
-          </a:p>
-          <a:p>
-            <a:pPr marL="514350" indent="-514350" algn="just">
-              <a:lnSpc>
-                <a:spcPct val="150000"/>
-              </a:lnSpc>
-              <a:buFont typeface="+mj-lt"/>
-              <a:buAutoNum type="arabicPeriod"/>
-            </a:pPr>
-            <a:r>
-              <a:rPr lang="en-US" dirty="0"/>
-              <a:t>Define a public static </a:t>
-            </a:r>
-            <a:r>
-              <a:rPr lang="en-US" dirty="0" err="1"/>
-              <a:t>accessor</a:t>
-            </a:r>
-            <a:r>
-              <a:rPr lang="en-US" dirty="0"/>
-              <a:t> function in the class.</a:t>
-            </a:r>
-          </a:p>
-          <a:p>
-            <a:pPr marL="514350" indent="-514350" algn="just">
-              <a:lnSpc>
-                <a:spcPct val="150000"/>
-              </a:lnSpc>
-              <a:buFont typeface="+mj-lt"/>
-              <a:buAutoNum type="arabicPeriod"/>
-            </a:pPr>
-            <a:r>
-              <a:rPr lang="en-US" dirty="0"/>
-              <a:t>Do "lazy initialization" (creation on first use) in the </a:t>
-            </a:r>
-            <a:r>
-              <a:rPr lang="en-US" dirty="0" err="1"/>
-              <a:t>accessor</a:t>
-            </a:r>
-            <a:r>
-              <a:rPr lang="en-US" dirty="0"/>
-              <a:t> function.</a:t>
-            </a:r>
-          </a:p>
-          <a:p>
-            <a:pPr marL="514350" indent="-514350" algn="just">
-              <a:lnSpc>
-                <a:spcPct val="150000"/>
-              </a:lnSpc>
-              <a:buFont typeface="+mj-lt"/>
-              <a:buAutoNum type="arabicPeriod"/>
-            </a:pPr>
-            <a:r>
-              <a:rPr lang="en-US" dirty="0"/>
-              <a:t>Define all constructors to be protected or private.</a:t>
-            </a:r>
-          </a:p>
-          <a:p>
-            <a:pPr marL="514350" indent="-514350" algn="just">
-              <a:lnSpc>
-                <a:spcPct val="150000"/>
-              </a:lnSpc>
-              <a:buFont typeface="+mj-lt"/>
-              <a:buAutoNum type="arabicPeriod"/>
-            </a:pPr>
-            <a:r>
-              <a:rPr lang="en-US" dirty="0"/>
-              <a:t>Clients may only use the </a:t>
-            </a:r>
-            <a:r>
-              <a:rPr lang="en-US" dirty="0" err="1"/>
-              <a:t>accessor</a:t>
-            </a:r>
-            <a:r>
-              <a:rPr lang="en-US" dirty="0"/>
-              <a:t> function to manipulate the Singleton.</a:t>
-            </a:r>
-            <a:endParaRPr lang="en-US" dirty="0"/>
-          </a:p>
-        </p:txBody>
-      </p:sp>
-    </p:spTree>
-    <p:extLst>
-      <p:ext uri="{BB962C8B-B14F-4D97-AF65-F5344CB8AC3E}">
-        <p14:creationId xmlns:p14="http://schemas.microsoft.com/office/powerpoint/2010/main" val="420806635"/>
-      </p:ext>
-    </p:extLst>
-  </p:cSld>
-  <p:clrMapOvr>
-    <a:masterClrMapping/>
-  </p:clrMapOvr>
-</p:sld>
-</file>
-
 <file path=ppt/slides/slide12.xml><?xml version="1.0" encoding="utf-8"?>
 <p:sld xmlns:a="http://schemas.openxmlformats.org/drawingml/2006/main" xmlns:r="http://schemas.openxmlformats.org/officeDocument/2006/relationships" xmlns:p="http://schemas.openxmlformats.org/presentationml/2006/main">
   <p:cSld>
@@ -3464,11 +3449,11 @@
           <a:p>
             <a:r>
               <a:rPr lang="en-US" b="1" dirty="0"/>
-              <a:t>Rules of </a:t>
+              <a:t>Check </a:t>
             </a:r>
             <a:r>
               <a:rPr lang="en-US" b="1" dirty="0" smtClean="0"/>
-              <a:t>thumb</a:t>
+              <a:t>list</a:t>
             </a:r>
             <a:endParaRPr lang="en-US" dirty="0"/>
           </a:p>
@@ -3484,12 +3469,7 @@
             <p:ph idx="1"/>
           </p:nvPr>
         </p:nvSpPr>
-        <p:spPr>
-          <a:xfrm>
-            <a:off x="313426" y="1666239"/>
-            <a:ext cx="11515715" cy="4865185"/>
-          </a:xfrm>
-        </p:spPr>
+        <p:spPr/>
         <p:txBody>
           <a:bodyPr>
             <a:normAutofit/>
@@ -3498,38 +3478,45 @@
           <a:p>
             <a:r>
               <a:rPr lang="en-US" dirty="0"/>
-              <a:t>Abstract Factory, Builder, and Prototype can use Singleton in their implementation.</a:t>
+              <a:t>Ensure that object overhead is an issue needing attention, and, the client of the class is able and willing to absorb responsibility realignment.</a:t>
             </a:r>
           </a:p>
           <a:p>
             <a:r>
               <a:rPr lang="en-US" dirty="0"/>
-              <a:t>Facade objects are often Singletons because only one Facade object is required.</a:t>
+              <a:t>Divide the target class's state into: shareable (intrinsic) state, and non-shareable (extrinsic) state.</a:t>
             </a:r>
           </a:p>
           <a:p>
             <a:r>
               <a:rPr lang="en-US" dirty="0"/>
-              <a:t>State objects are often Singletons.</a:t>
+              <a:t>Remove the non-shareable state from the class attributes, and add it the calling argument list of affected methods.</a:t>
             </a:r>
           </a:p>
           <a:p>
             <a:r>
               <a:rPr lang="en-US" dirty="0"/>
-              <a:t>The advantage of Singleton over global variables is that you are absolutely sure of the number of instances when you use Singleton, and, you can change your mind and manage any number of instances</a:t>
-            </a:r>
-            <a:r>
-              <a:rPr lang="en-US" dirty="0" smtClean="0"/>
-              <a:t>.</a:t>
-            </a:r>
-            <a:endParaRPr lang="en-US" dirty="0"/>
+              <a:t>Create a Factory that can cache and reuse existing class instances.</a:t>
+            </a:r>
+          </a:p>
+          <a:p>
+            <a:r>
+              <a:rPr lang="en-US" dirty="0"/>
+              <a:t>The client must use the Factory instead of the new operator to request objects.</a:t>
+            </a:r>
+          </a:p>
+          <a:p>
+            <a:r>
+              <a:rPr lang="en-US" dirty="0"/>
+              <a:t>The client (or a third party) must look-up or compute the non-shareable state, and supply that state to class methods.</a:t>
+            </a:r>
           </a:p>
         </p:txBody>
       </p:sp>
     </p:spTree>
     <p:extLst>
       <p:ext uri="{BB962C8B-B14F-4D97-AF65-F5344CB8AC3E}">
-        <p14:creationId xmlns:p14="http://schemas.microsoft.com/office/powerpoint/2010/main" val="1499046435"/>
+        <p14:creationId xmlns:p14="http://schemas.microsoft.com/office/powerpoint/2010/main" val="420806635"/>
       </p:ext>
     </p:extLst>
   </p:cSld>
@@ -3593,7 +3580,12 @@
             <p:ph idx="1"/>
           </p:nvPr>
         </p:nvSpPr>
-        <p:spPr/>
+        <p:spPr>
+          <a:xfrm>
+            <a:off x="313426" y="1666239"/>
+            <a:ext cx="11515715" cy="4865185"/>
+          </a:xfrm>
+        </p:spPr>
         <p:txBody>
           <a:bodyPr>
             <a:normAutofit/>
@@ -3602,21 +3594,33 @@
           <a:p>
             <a:r>
               <a:rPr lang="en-US" dirty="0"/>
-              <a:t>The Singleton design pattern is one of the most inappropriately used patterns. Singletons are intended to be used when a class must have exactly one instance, no more, no less. Designers frequently use Singletons in a misguided attempt to replace global variables. A Singleton is, for intents and purposes, a global variable. The Singleton does not do away with the global; it merely renames it.</a:t>
-            </a:r>
-          </a:p>
-          <a:p>
-            <a:pPr marL="0" indent="0" algn="just">
-              <a:buNone/>
-            </a:pPr>
-            <a:endParaRPr lang="en-US" dirty="0"/>
+              <a:t>Whereas Flyweight shows how to make lots of little objects, Facade shows how to make a single object represent an entire subsystem.</a:t>
+            </a:r>
+          </a:p>
+          <a:p>
+            <a:r>
+              <a:rPr lang="en-US" dirty="0"/>
+              <a:t>Flyweight is often combined with Composite to implement shared leaf nodes.</a:t>
+            </a:r>
+          </a:p>
+          <a:p>
+            <a:r>
+              <a:rPr lang="en-US" dirty="0"/>
+              <a:t>Terminal symbols within Interpreter's abstract syntax tree can be shared with Flyweight.</a:t>
+            </a:r>
+          </a:p>
+          <a:p>
+            <a:r>
+              <a:rPr lang="en-US"/>
+              <a:t>Flyweight explains when and how State objects can be shared.</a:t>
+            </a:r>
           </a:p>
         </p:txBody>
       </p:sp>
     </p:spTree>
     <p:extLst>
       <p:ext uri="{BB962C8B-B14F-4D97-AF65-F5344CB8AC3E}">
-        <p14:creationId xmlns:p14="http://schemas.microsoft.com/office/powerpoint/2010/main" val="3212521832"/>
+        <p14:creationId xmlns:p14="http://schemas.microsoft.com/office/powerpoint/2010/main" val="1499046435"/>
       </p:ext>
     </p:extLst>
   </p:cSld>
@@ -3689,6 +3693,93 @@
           <a:p>
             <a:r>
               <a:rPr lang="en-US" dirty="0"/>
+              <a:t>The Singleton design pattern is one of the most inappropriately used patterns. Singletons are intended to be used when a class must have exactly one instance, no more, no less. Designers frequently use Singletons in a misguided attempt to replace global variables. A Singleton is, for intents and purposes, a global variable. The Singleton does not do away with the global; it merely renames it.</a:t>
+            </a:r>
+          </a:p>
+          <a:p>
+            <a:pPr marL="0" indent="0" algn="just">
+              <a:buNone/>
+            </a:pPr>
+            <a:endParaRPr lang="en-US" dirty="0"/>
+          </a:p>
+        </p:txBody>
+      </p:sp>
+    </p:spTree>
+    <p:extLst>
+      <p:ext uri="{BB962C8B-B14F-4D97-AF65-F5344CB8AC3E}">
+        <p14:creationId xmlns:p14="http://schemas.microsoft.com/office/powerpoint/2010/main" val="3212521832"/>
+      </p:ext>
+    </p:extLst>
+  </p:cSld>
+  <p:clrMapOvr>
+    <a:masterClrMapping/>
+  </p:clrMapOvr>
+</p:sld>
+</file>
+
+<file path=ppt/slides/slide15.xml><?xml version="1.0" encoding="utf-8"?>
+<p:sld xmlns:a="http://schemas.openxmlformats.org/drawingml/2006/main" xmlns:r="http://schemas.openxmlformats.org/officeDocument/2006/relationships" xmlns:p="http://schemas.openxmlformats.org/presentationml/2006/main">
+  <p:cSld>
+    <p:spTree>
+      <p:nvGrpSpPr>
+        <p:cNvPr id="1" name=""/>
+        <p:cNvGrpSpPr/>
+        <p:nvPr/>
+      </p:nvGrpSpPr>
+      <p:grpSpPr>
+        <a:xfrm>
+          <a:off x="0" y="0"/>
+          <a:ext cx="0" cy="0"/>
+          <a:chOff x="0" y="0"/>
+          <a:chExt cx="0" cy="0"/>
+        </a:xfrm>
+      </p:grpSpPr>
+      <p:sp>
+        <p:nvSpPr>
+          <p:cNvPr id="2" name="Title 1"/>
+          <p:cNvSpPr>
+            <a:spLocks noGrp="1"/>
+          </p:cNvSpPr>
+          <p:nvPr>
+            <p:ph type="title"/>
+          </p:nvPr>
+        </p:nvSpPr>
+        <p:spPr/>
+        <p:txBody>
+          <a:bodyPr/>
+          <a:lstStyle/>
+          <a:p>
+            <a:r>
+              <a:rPr lang="en-US" b="1" dirty="0"/>
+              <a:t>Rules of </a:t>
+            </a:r>
+            <a:r>
+              <a:rPr lang="en-US" b="1" dirty="0" smtClean="0"/>
+              <a:t>thumb</a:t>
+            </a:r>
+            <a:endParaRPr lang="en-US" dirty="0"/>
+          </a:p>
+        </p:txBody>
+      </p:sp>
+      <p:sp>
+        <p:nvSpPr>
+          <p:cNvPr id="3" name="Content Placeholder 2"/>
+          <p:cNvSpPr>
+            <a:spLocks noGrp="1"/>
+          </p:cNvSpPr>
+          <p:nvPr>
+            <p:ph idx="1"/>
+          </p:nvPr>
+        </p:nvSpPr>
+        <p:spPr/>
+        <p:txBody>
+          <a:bodyPr>
+            <a:normAutofit/>
+          </a:bodyPr>
+          <a:lstStyle/>
+          <a:p>
+            <a:r>
+              <a:rPr lang="en-US" dirty="0"/>
               <a:t>When is Singleton unnecessary? Short answer: most of the time. Long answer: when it's simpler to pass an object resource as a reference to the objects that need it, rather than letting objects access the resource globally. The real problem with Singletons is that they give you such a good excuse not to think carefully about the appropriate visibility of an object. Finding the right balance of exposure and protection for an object is critical for maintaining flexibility.</a:t>
             </a:r>
           </a:p>
@@ -3713,7 +3804,7 @@
 </p:sld>
 </file>
 
-<file path=ppt/slides/slide15.xml><?xml version="1.0" encoding="utf-8"?>
+<file path=ppt/slides/slide16.xml><?xml version="1.0" encoding="utf-8"?>
 <p:sld xmlns:a="http://schemas.openxmlformats.org/drawingml/2006/main" xmlns:r="http://schemas.openxmlformats.org/officeDocument/2006/relationships" xmlns:p="http://schemas.openxmlformats.org/presentationml/2006/main">
   <p:cSld>
     <p:spTree>
@@ -3985,16 +4076,19 @@
           <a:p>
             <a:r>
               <a:rPr lang="en-US" dirty="0"/>
-              <a:t>Ensure a class has only one instance, and provide a global point of access to it.</a:t>
+              <a:t>Use sharing to support large numbers of fine-grained objects efficiently.</a:t>
             </a:r>
           </a:p>
           <a:p>
             <a:r>
               <a:rPr lang="en-US" dirty="0"/>
-              <a:t>Encapsulated "just-in-time initialization" or "initialization on first use".</a:t>
-            </a:r>
-          </a:p>
-          <a:p>
+              <a:t>The Motif GUI strategy of replacing heavy-weight widgets with light-weight gadgets.</a:t>
+            </a:r>
+          </a:p>
+          <a:p>
+            <a:pPr marL="0" indent="0">
+              <a:buNone/>
+            </a:pPr>
             <a:endParaRPr lang="en-US" dirty="0"/>
           </a:p>
         </p:txBody>
@@ -4074,7 +4168,7 @@
             </a:pPr>
             <a:r>
               <a:rPr lang="en-US" dirty="0"/>
-              <a:t>Application needs one, and only one, instance of an object. Additionally, lazy initialization and global access are necessary.</a:t>
+              <a:t>Designing objects down to the lowest levels of system "granularity" provides optimal flexibility, but can be unacceptably expensive in terms of performance and memory usage.</a:t>
             </a:r>
             <a:endParaRPr lang="en-US" dirty="0"/>
           </a:p>
@@ -4158,28 +4252,9 @@
             </a:pPr>
             <a:r>
               <a:rPr lang="en-US" dirty="0"/>
-              <a:t>Make the class of the single instance object responsible for creation, initialization, access, and enforcement. Declare the instance as a private static data member. Provide a public static member function that encapsulates all initialization code, and provides access to the instance.</a:t>
-            </a:r>
-          </a:p>
-          <a:p>
-            <a:pPr marL="0" indent="0">
-              <a:lnSpc>
-                <a:spcPct val="150000"/>
-              </a:lnSpc>
-              <a:buNone/>
-            </a:pPr>
-            <a:r>
-              <a:rPr lang="en-US" dirty="0"/>
-              <a:t>The client calls the </a:t>
-            </a:r>
-            <a:r>
-              <a:rPr lang="en-US" dirty="0" err="1"/>
-              <a:t>accessor</a:t>
-            </a:r>
-            <a:r>
-              <a:rPr lang="en-US" dirty="0"/>
-              <a:t> function (using the class name and scope resolution operator) whenever a reference to the single instance is required.</a:t>
-            </a:r>
+              <a:t>The Flyweight pattern describes how to share objects to allow their use at fine granularity without prohibitive cost. Each "flyweight" object is divided into two pieces: the state-dependent (extrinsic) part, and the state-independent (intrinsic) part. Intrinsic state is stored (shared) in the Flyweight object. Extrinsic state is stored or computed by client objects, and passed to the Flyweight when its operations are invoked.</a:t>
+            </a:r>
+            <a:endParaRPr lang="en-US" dirty="0"/>
           </a:p>
         </p:txBody>
       </p:sp>
@@ -4248,12 +4323,14 @@
         </p:nvSpPr>
         <p:spPr>
           <a:xfrm>
-            <a:off x="212942" y="1605279"/>
+            <a:off x="212942" y="1244331"/>
             <a:ext cx="11515715" cy="4418145"/>
           </a:xfrm>
         </p:spPr>
         <p:txBody>
-          <a:bodyPr/>
+          <a:bodyPr>
+            <a:normAutofit lnSpcReduction="10000"/>
+          </a:bodyPr>
           <a:lstStyle/>
           <a:p>
             <a:pPr marL="0" indent="0">
@@ -4264,26 +4341,9 @@
             </a:pPr>
             <a:r>
               <a:rPr lang="en-US" dirty="0"/>
-              <a:t>Singleton should be considered only if all three of the following criteria are satisfied:</a:t>
-            </a:r>
-          </a:p>
-          <a:p>
-            <a:r>
-              <a:rPr lang="en-US" dirty="0"/>
-              <a:t>Ownership of the single instance cannot be reasonably assigned</a:t>
-            </a:r>
-          </a:p>
-          <a:p>
-            <a:r>
-              <a:rPr lang="en-US" dirty="0"/>
-              <a:t>Lazy initialization is desirable</a:t>
-            </a:r>
-          </a:p>
-          <a:p>
-            <a:r>
-              <a:rPr lang="en-US" dirty="0"/>
-              <a:t>Global access is not otherwise provided for</a:t>
-            </a:r>
+              <a:t>An illustration of this approach would be Motif widgets that have been re-engineered as light-weight gadgets. Whereas widgets are "intelligent" enough to stand on their own; gadgets exist in a dependent relationship with their parent layout manager widget. Each layout manager provides context-dependent event handling, real estate management, and resource services to its flyweight gadgets, and each gadget is only responsible for context-independent state and behavior.</a:t>
+            </a:r>
+            <a:endParaRPr lang="en-US" dirty="0"/>
           </a:p>
         </p:txBody>
       </p:sp>
@@ -4334,7 +4394,7 @@
           <a:p>
             <a:r>
               <a:rPr lang="en-US" b="1" dirty="0" smtClean="0"/>
-              <a:t>Discussion</a:t>
+              <a:t>Structure</a:t>
             </a:r>
             <a:endParaRPr lang="en-US" dirty="0"/>
           </a:p>
@@ -4352,79 +4412,34 @@
         </p:nvSpPr>
         <p:spPr>
           <a:xfrm>
-            <a:off x="212942" y="1605279"/>
-            <a:ext cx="11515715" cy="4418145"/>
+            <a:off x="409074" y="1307845"/>
+            <a:ext cx="11319583" cy="5165144"/>
           </a:xfrm>
         </p:spPr>
         <p:txBody>
-          <a:bodyPr/>
+          <a:bodyPr>
+            <a:normAutofit/>
+          </a:bodyPr>
           <a:lstStyle/>
           <a:p>
-            <a:pPr marL="0" indent="0">
+            <a:pPr marL="0" indent="508000">
+              <a:lnSpc>
+                <a:spcPct val="150000"/>
+              </a:lnSpc>
               <a:buNone/>
             </a:pPr>
             <a:r>
               <a:rPr lang="en-US" dirty="0"/>
-              <a:t>If ownership of the single instance, when and how initialization occurs, and global access are not issues, Singleton is not sufficiently interesting.</a:t>
-            </a:r>
-          </a:p>
-          <a:p>
-            <a:pPr marL="0" indent="0">
-              <a:buNone/>
-            </a:pPr>
-            <a:r>
-              <a:rPr lang="en-US" dirty="0"/>
-              <a:t>The Singleton pattern can be extended to support access to an application-specific number of instances.</a:t>
-            </a:r>
-          </a:p>
-          <a:p>
-            <a:pPr marL="0" indent="0">
-              <a:buNone/>
-            </a:pPr>
-            <a:r>
-              <a:rPr lang="en-US" dirty="0"/>
-              <a:t>The "static member function </a:t>
-            </a:r>
-            <a:r>
-              <a:rPr lang="en-US" dirty="0" err="1"/>
-              <a:t>accessor</a:t>
-            </a:r>
-            <a:r>
-              <a:rPr lang="en-US" dirty="0"/>
-              <a:t>" approach will not support </a:t>
-            </a:r>
-            <a:r>
-              <a:rPr lang="en-US" dirty="0" err="1"/>
-              <a:t>subclassing</a:t>
-            </a:r>
-            <a:r>
-              <a:rPr lang="en-US" dirty="0"/>
-              <a:t> of the Singleton class. If </a:t>
-            </a:r>
-            <a:r>
-              <a:rPr lang="en-US" dirty="0" err="1"/>
-              <a:t>subclassing</a:t>
-            </a:r>
-            <a:r>
-              <a:rPr lang="en-US" dirty="0"/>
-              <a:t> is desired, refer to the discussion in the book.</a:t>
-            </a:r>
-          </a:p>
-          <a:p>
-            <a:pPr marL="0" indent="0">
-              <a:buNone/>
-            </a:pPr>
-            <a:r>
-              <a:rPr lang="en-US" dirty="0"/>
-              <a:t>Deleting a Singleton class/instance is a non-trivial design problem.</a:t>
-            </a:r>
+              <a:t>Flyweights are stored in a Factory's repository. The client restrains herself from creating Flyweights directly, and requests them from the Factory. Each Flyweight cannot stand on its own. Any attributes that would make sharing impossible must be supplied by the client whenever a request is made of the Flyweight. If the context lends itself to "economy of scale" (i.e. the client can easily compute or look-up the necessary attributes), then the Flyweight pattern offers appropriate leverage.</a:t>
+            </a:r>
+            <a:endParaRPr lang="en-US" dirty="0"/>
           </a:p>
         </p:txBody>
       </p:sp>
     </p:spTree>
     <p:extLst>
       <p:ext uri="{BB962C8B-B14F-4D97-AF65-F5344CB8AC3E}">
-        <p14:creationId xmlns:p14="http://schemas.microsoft.com/office/powerpoint/2010/main" val="3812376546"/>
+        <p14:creationId xmlns:p14="http://schemas.microsoft.com/office/powerpoint/2010/main" val="131945714"/>
       </p:ext>
     </p:extLst>
   </p:cSld>
@@ -4474,53 +4489,9 @@
           </a:p>
         </p:txBody>
       </p:sp>
-      <p:sp>
-        <p:nvSpPr>
-          <p:cNvPr id="3" name="Content Placeholder 2"/>
-          <p:cNvSpPr>
-            <a:spLocks noGrp="1"/>
-          </p:cNvSpPr>
-          <p:nvPr>
-            <p:ph idx="1"/>
-          </p:nvPr>
-        </p:nvSpPr>
-        <p:spPr>
-          <a:xfrm>
-            <a:off x="5242560" y="1307845"/>
-            <a:ext cx="6486097" cy="3358881"/>
-          </a:xfrm>
-        </p:spPr>
-        <p:txBody>
-          <a:bodyPr>
-            <a:normAutofit/>
-          </a:bodyPr>
-          <a:lstStyle/>
-          <a:p>
-            <a:pPr marL="0" indent="508000">
-              <a:lnSpc>
-                <a:spcPct val="150000"/>
-              </a:lnSpc>
-              <a:buNone/>
-            </a:pPr>
-            <a:r>
-              <a:rPr lang="en-US" dirty="0"/>
-              <a:t>Make the class of the single instance responsible for access and "initialization on first use". The single instance is a private static attribute. The </a:t>
-            </a:r>
-            <a:r>
-              <a:rPr lang="en-US" dirty="0" err="1"/>
-              <a:t>accessor</a:t>
-            </a:r>
-            <a:r>
-              <a:rPr lang="en-US" dirty="0"/>
-              <a:t> function is a public static method.</a:t>
-            </a:r>
-            <a:endParaRPr lang="en-US" dirty="0"/>
-          </a:p>
-        </p:txBody>
-      </p:sp>
       <p:pic>
         <p:nvPicPr>
-          <p:cNvPr id="1026" name="Picture 2" descr="Scheme of Singleton"/>
+          <p:cNvPr id="1026" name="Picture 2" descr="Flyweight scheme"/>
           <p:cNvPicPr>
             <a:picLocks noChangeAspect="1" noChangeArrowheads="1"/>
           </p:cNvPicPr>
@@ -4541,49 +4512,8 @@
         </p:blipFill>
         <p:spPr bwMode="auto">
           <a:xfrm>
-            <a:off x="-203200" y="1307845"/>
-            <a:ext cx="5938519" cy="2515742"/>
-          </a:xfrm>
-          <a:prstGeom prst="rect">
-            <a:avLst/>
-          </a:prstGeom>
-          <a:noFill/>
-          <a:extLst>
-            <a:ext uri="{909E8E84-426E-40DD-AFC4-6F175D3DCCD1}">
-              <a14:hiddenFill xmlns:a14="http://schemas.microsoft.com/office/drawing/2010/main">
-                <a:solidFill>
-                  <a:srgbClr val="FFFFFF"/>
-                </a:solidFill>
-              </a14:hiddenFill>
-            </a:ext>
-          </a:extLst>
-        </p:spPr>
-      </p:pic>
-      <p:pic>
-        <p:nvPicPr>
-          <p:cNvPr id="1028" name="Picture 4" descr="Scheme of Singleton."/>
-          <p:cNvPicPr>
-            <a:picLocks noChangeAspect="1" noChangeArrowheads="1"/>
-          </p:cNvPicPr>
-          <p:nvPr/>
-        </p:nvPicPr>
-        <p:blipFill>
-          <a:blip r:embed="rId3">
-            <a:extLst>
-              <a:ext uri="{28A0092B-C50C-407E-A947-70E740481C1C}">
-                <a14:useLocalDpi xmlns:a14="http://schemas.microsoft.com/office/drawing/2010/main" val="0"/>
-              </a:ext>
-            </a:extLst>
-          </a:blip>
-          <a:srcRect/>
-          <a:stretch>
-            <a:fillRect/>
-          </a:stretch>
-        </p:blipFill>
-        <p:spPr bwMode="auto">
-          <a:xfrm>
-            <a:off x="5242560" y="4666725"/>
-            <a:ext cx="4470400" cy="2213069"/>
+            <a:off x="1142165" y="1686509"/>
+            <a:ext cx="8242467" cy="4637764"/>
           </a:xfrm>
           <a:prstGeom prst="rect">
             <a:avLst/>
@@ -4603,7 +4533,7 @@
     </p:spTree>
     <p:extLst>
       <p:ext uri="{BB962C8B-B14F-4D97-AF65-F5344CB8AC3E}">
-        <p14:creationId xmlns:p14="http://schemas.microsoft.com/office/powerpoint/2010/main" val="131945714"/>
+        <p14:creationId xmlns:p14="http://schemas.microsoft.com/office/powerpoint/2010/main" val="2285400349"/>
       </p:ext>
     </p:extLst>
   </p:cSld>
@@ -4647,52 +4577,57 @@
           <a:p>
             <a:r>
               <a:rPr lang="en-US" b="1" dirty="0" smtClean="0"/>
-              <a:t>Example</a:t>
+              <a:t>Structure</a:t>
             </a:r>
             <a:endParaRPr lang="en-US" dirty="0"/>
           </a:p>
         </p:txBody>
       </p:sp>
-      <p:sp>
-        <p:nvSpPr>
-          <p:cNvPr id="3" name="Content Placeholder 2"/>
-          <p:cNvSpPr>
-            <a:spLocks noGrp="1"/>
-          </p:cNvSpPr>
-          <p:nvPr>
-            <p:ph idx="1"/>
-          </p:nvPr>
-        </p:nvSpPr>
-        <p:spPr>
+      <p:pic>
+        <p:nvPicPr>
+          <p:cNvPr id="2050" name="Picture 2" descr="Flyweight scheme"/>
+          <p:cNvPicPr>
+            <a:picLocks noChangeAspect="1" noChangeArrowheads="1"/>
+          </p:cNvPicPr>
+          <p:nvPr/>
+        </p:nvPicPr>
+        <p:blipFill>
+          <a:blip r:embed="rId3">
+            <a:extLst>
+              <a:ext uri="{28A0092B-C50C-407E-A947-70E740481C1C}">
+                <a14:useLocalDpi xmlns:a14="http://schemas.microsoft.com/office/drawing/2010/main" val="0"/>
+              </a:ext>
+            </a:extLst>
+          </a:blip>
+          <a:srcRect/>
+          <a:stretch>
+            <a:fillRect/>
+          </a:stretch>
+        </p:blipFill>
+        <p:spPr bwMode="auto">
           <a:xfrm>
-            <a:off x="313426" y="894080"/>
-            <a:ext cx="11515715" cy="5637345"/>
+            <a:off x="2161190" y="1024858"/>
+            <a:ext cx="7800958" cy="5518844"/>
           </a:xfrm>
+          <a:prstGeom prst="rect">
+            <a:avLst/>
+          </a:prstGeom>
+          <a:noFill/>
+          <a:extLst>
+            <a:ext uri="{909E8E84-426E-40DD-AFC4-6F175D3DCCD1}">
+              <a14:hiddenFill xmlns:a14="http://schemas.microsoft.com/office/drawing/2010/main">
+                <a:solidFill>
+                  <a:srgbClr val="FFFFFF"/>
+                </a:solidFill>
+              </a14:hiddenFill>
+            </a:ext>
+          </a:extLst>
         </p:spPr>
-        <p:txBody>
-          <a:bodyPr>
-            <a:normAutofit lnSpcReduction="10000"/>
-          </a:bodyPr>
-          <a:lstStyle/>
-          <a:p>
-            <a:pPr marL="0" indent="0">
-              <a:lnSpc>
-                <a:spcPct val="150000"/>
-              </a:lnSpc>
-              <a:buNone/>
-            </a:pPr>
-            <a:r>
-              <a:rPr lang="en-US" dirty="0"/>
-              <a:t>The Singleton pattern ensures that a class has only one instance and provides a global point of access to that instance. It is named after the singleton set, which is defined to be a set containing one element. The office of the President of the United States is a Singleton. The United States Constitution specifies the means by which a president is elected, limits the term of office, and defines the order of succession. As a result, there can be at most one active president at any given time. Regardless of the personal identity of the active president, the title, "The President of the United States" is a global point of access that identifies the person in the office.</a:t>
-            </a:r>
-            <a:endParaRPr lang="en-US" dirty="0"/>
-          </a:p>
-        </p:txBody>
-      </p:sp>
+      </p:pic>
     </p:spTree>
     <p:extLst>
       <p:ext uri="{BB962C8B-B14F-4D97-AF65-F5344CB8AC3E}">
-        <p14:creationId xmlns:p14="http://schemas.microsoft.com/office/powerpoint/2010/main" val="3230547019"/>
+        <p14:creationId xmlns:p14="http://schemas.microsoft.com/office/powerpoint/2010/main" val="833278549"/>
       </p:ext>
     </p:extLst>
   </p:cSld>

--- a/T1. Design Patterns/Flyweight/Demo.pptx
+++ b/T1. Design Patterns/Flyweight/Demo.pptx
@@ -212,7 +212,7 @@
           <a:p>
             <a:fld id="{C6576F63-835E-46F5-AEB3-90A06FD74112}" type="datetimeFigureOut">
               <a:rPr lang="en-US" smtClean="0"/>
-              <a:t>8/14/2018</a:t>
+              <a:t>11/1/2018</a:t>
             </a:fld>
             <a:endParaRPr lang="en-US"/>
           </a:p>
@@ -523,6 +523,214 @@
           <a:bodyPr/>
           <a:lstStyle/>
           <a:p>
+            <a:r>
+              <a:rPr lang="ru-RU" dirty="0" smtClean="0"/>
+              <a:t>Проектирование объектов вплоть до самых низких уровней «гранулярности» системы обеспечивает оптимальную гибкость, но может быть неприемлемо дорогим с точки зрения производительности и использования памяти.</a:t>
+            </a:r>
+            <a:endParaRPr lang="en-US" dirty="0"/>
+          </a:p>
+        </p:txBody>
+      </p:sp>
+      <p:sp>
+        <p:nvSpPr>
+          <p:cNvPr id="4" name="Slide Number Placeholder 3"/>
+          <p:cNvSpPr>
+            <a:spLocks noGrp="1"/>
+          </p:cNvSpPr>
+          <p:nvPr>
+            <p:ph type="sldNum" sz="quarter" idx="10"/>
+          </p:nvPr>
+        </p:nvSpPr>
+        <p:spPr/>
+        <p:txBody>
+          <a:bodyPr/>
+          <a:lstStyle/>
+          <a:p>
+            <a:fld id="{F620B9DD-4E80-470F-B438-047D7BDD8590}" type="slidenum">
+              <a:rPr lang="en-US" smtClean="0"/>
+              <a:t>4</a:t>
+            </a:fld>
+            <a:endParaRPr lang="en-US"/>
+          </a:p>
+        </p:txBody>
+      </p:sp>
+    </p:spTree>
+    <p:extLst>
+      <p:ext uri="{BB962C8B-B14F-4D97-AF65-F5344CB8AC3E}">
+        <p14:creationId xmlns:p14="http://schemas.microsoft.com/office/powerpoint/2010/main" val="3046917271"/>
+      </p:ext>
+    </p:extLst>
+  </p:cSld>
+  <p:clrMapOvr>
+    <a:masterClrMapping/>
+  </p:clrMapOvr>
+</p:notes>
+</file>
+
+<file path=ppt/notesSlides/notesSlide2.xml><?xml version="1.0" encoding="utf-8"?>
+<p:notes xmlns:a="http://schemas.openxmlformats.org/drawingml/2006/main" xmlns:r="http://schemas.openxmlformats.org/officeDocument/2006/relationships" xmlns:p="http://schemas.openxmlformats.org/presentationml/2006/main">
+  <p:cSld>
+    <p:spTree>
+      <p:nvGrpSpPr>
+        <p:cNvPr id="1" name=""/>
+        <p:cNvGrpSpPr/>
+        <p:nvPr/>
+      </p:nvGrpSpPr>
+      <p:grpSpPr>
+        <a:xfrm>
+          <a:off x="0" y="0"/>
+          <a:ext cx="0" cy="0"/>
+          <a:chOff x="0" y="0"/>
+          <a:chExt cx="0" cy="0"/>
+        </a:xfrm>
+      </p:grpSpPr>
+      <p:sp>
+        <p:nvSpPr>
+          <p:cNvPr id="2" name="Slide Image Placeholder 1"/>
+          <p:cNvSpPr>
+            <a:spLocks noGrp="1" noRot="1" noChangeAspect="1"/>
+          </p:cNvSpPr>
+          <p:nvPr>
+            <p:ph type="sldImg"/>
+          </p:nvPr>
+        </p:nvSpPr>
+        <p:spPr/>
+      </p:sp>
+      <p:sp>
+        <p:nvSpPr>
+          <p:cNvPr id="3" name="Notes Placeholder 2"/>
+          <p:cNvSpPr>
+            <a:spLocks noGrp="1"/>
+          </p:cNvSpPr>
+          <p:nvPr>
+            <p:ph type="body" idx="1"/>
+          </p:nvPr>
+        </p:nvSpPr>
+        <p:spPr/>
+        <p:txBody>
+          <a:bodyPr/>
+          <a:lstStyle/>
+          <a:p>
+            <a:r>
+              <a:rPr lang="ru-RU" dirty="0" smtClean="0"/>
+              <a:t>Шаблон </a:t>
+            </a:r>
+            <a:r>
+              <a:rPr lang="ru-RU" dirty="0" err="1" smtClean="0"/>
+              <a:t>Flyweight</a:t>
+            </a:r>
+            <a:r>
+              <a:rPr lang="ru-RU" dirty="0" smtClean="0"/>
+              <a:t> описывает, как обмениваться объектами, чтобы их использование можно было использовать при тонкой детализации без чрезмерной стоимости. Каждый «</a:t>
+            </a:r>
+            <a:r>
+              <a:rPr lang="en-US" dirty="0" smtClean="0"/>
+              <a:t>flyweight</a:t>
+            </a:r>
+            <a:r>
+              <a:rPr lang="ru-RU" dirty="0" smtClean="0"/>
+              <a:t>» объект разделен на две части: состояние-зависимой (внешней) стороны, и состояние-независимого (внутренней) части. Внутреннее состояние сохраняется (совместно используется) в объекте </a:t>
+            </a:r>
+            <a:r>
+              <a:rPr lang="ru-RU" dirty="0" err="1" smtClean="0"/>
+              <a:t>Flyweight</a:t>
+            </a:r>
+            <a:r>
+              <a:rPr lang="ru-RU" dirty="0" smtClean="0"/>
+              <a:t>. Внешнее состояние хранится или вычисляется клиентскими объектами и передается </a:t>
+            </a:r>
+            <a:r>
+              <a:rPr lang="ru-RU" dirty="0" err="1" smtClean="0"/>
+              <a:t>Flyweight</a:t>
+            </a:r>
+            <a:r>
+              <a:rPr lang="ru-RU" dirty="0" smtClean="0"/>
+              <a:t> при его выполнении.</a:t>
+            </a:r>
+            <a:endParaRPr lang="en-US" dirty="0"/>
+          </a:p>
+        </p:txBody>
+      </p:sp>
+      <p:sp>
+        <p:nvSpPr>
+          <p:cNvPr id="4" name="Slide Number Placeholder 3"/>
+          <p:cNvSpPr>
+            <a:spLocks noGrp="1"/>
+          </p:cNvSpPr>
+          <p:nvPr>
+            <p:ph type="sldNum" sz="quarter" idx="10"/>
+          </p:nvPr>
+        </p:nvSpPr>
+        <p:spPr/>
+        <p:txBody>
+          <a:bodyPr/>
+          <a:lstStyle/>
+          <a:p>
+            <a:fld id="{F620B9DD-4E80-470F-B438-047D7BDD8590}" type="slidenum">
+              <a:rPr lang="en-US" smtClean="0"/>
+              <a:t>5</a:t>
+            </a:fld>
+            <a:endParaRPr lang="en-US"/>
+          </a:p>
+        </p:txBody>
+      </p:sp>
+    </p:spTree>
+    <p:extLst>
+      <p:ext uri="{BB962C8B-B14F-4D97-AF65-F5344CB8AC3E}">
+        <p14:creationId xmlns:p14="http://schemas.microsoft.com/office/powerpoint/2010/main" val="3087908561"/>
+      </p:ext>
+    </p:extLst>
+  </p:cSld>
+  <p:clrMapOvr>
+    <a:masterClrMapping/>
+  </p:clrMapOvr>
+</p:notes>
+</file>
+
+<file path=ppt/notesSlides/notesSlide3.xml><?xml version="1.0" encoding="utf-8"?>
+<p:notes xmlns:a="http://schemas.openxmlformats.org/drawingml/2006/main" xmlns:r="http://schemas.openxmlformats.org/officeDocument/2006/relationships" xmlns:p="http://schemas.openxmlformats.org/presentationml/2006/main">
+  <p:cSld>
+    <p:spTree>
+      <p:nvGrpSpPr>
+        <p:cNvPr id="1" name=""/>
+        <p:cNvGrpSpPr/>
+        <p:nvPr/>
+      </p:nvGrpSpPr>
+      <p:grpSpPr>
+        <a:xfrm>
+          <a:off x="0" y="0"/>
+          <a:ext cx="0" cy="0"/>
+          <a:chOff x="0" y="0"/>
+          <a:chExt cx="0" cy="0"/>
+        </a:xfrm>
+      </p:grpSpPr>
+      <p:sp>
+        <p:nvSpPr>
+          <p:cNvPr id="2" name="Slide Image Placeholder 1"/>
+          <p:cNvSpPr>
+            <a:spLocks noGrp="1" noRot="1" noChangeAspect="1"/>
+          </p:cNvSpPr>
+          <p:nvPr>
+            <p:ph type="sldImg"/>
+          </p:nvPr>
+        </p:nvSpPr>
+        <p:spPr/>
+      </p:sp>
+      <p:sp>
+        <p:nvSpPr>
+          <p:cNvPr id="3" name="Notes Placeholder 2"/>
+          <p:cNvSpPr>
+            <a:spLocks noGrp="1"/>
+          </p:cNvSpPr>
+          <p:nvPr>
+            <p:ph type="body" idx="1"/>
+          </p:nvPr>
+        </p:nvSpPr>
+        <p:spPr/>
+        <p:txBody>
+          <a:bodyPr/>
+          <a:lstStyle/>
+          <a:p>
             <a:endParaRPr lang="en-US" dirty="0"/>
           </a:p>
         </p:txBody>
@@ -563,7 +771,7 @@
 </p:notes>
 </file>
 
-<file path=ppt/notesSlides/notesSlide2.xml><?xml version="1.0" encoding="utf-8"?>
+<file path=ppt/notesSlides/notesSlide4.xml><?xml version="1.0" encoding="utf-8"?>
 <p:notes xmlns:a="http://schemas.openxmlformats.org/drawingml/2006/main" xmlns:r="http://schemas.openxmlformats.org/officeDocument/2006/relationships" xmlns:p="http://schemas.openxmlformats.org/presentationml/2006/main">
   <p:cSld>
     <p:spTree>
@@ -3205,11 +3413,7 @@
           <a:p>
             <a:r>
               <a:rPr lang="en-US" dirty="0" smtClean="0"/>
-              <a:t>Design Patterns. </a:t>
-            </a:r>
-            <a:r>
-              <a:rPr lang="en-US" dirty="0" smtClean="0"/>
-              <a:t>Flyweight</a:t>
+              <a:t>Design Patterns. Flyweight</a:t>
             </a:r>
             <a:r>
               <a:rPr lang="en-US" b="1" dirty="0"/>
@@ -3304,7 +3508,6 @@
               <a:rPr lang="en-US" dirty="0"/>
               <a:t>The Flyweight uses sharing to support large numbers of objects efficiently. Modern web browsers use this technique to prevent loading same images twice. When browser loads a web page, it traverse through all images on that page. Browser loads all new images from Internet and places them the internal cache. For already loaded images, a flyweight object is created, which has some unique data like position within the page, but everything else is referenced to the cached one.</a:t>
             </a:r>
-            <a:endParaRPr lang="en-US" dirty="0"/>
           </a:p>
         </p:txBody>
       </p:sp>
@@ -4170,7 +4373,6 @@
               <a:rPr lang="en-US" dirty="0"/>
               <a:t>Designing objects down to the lowest levels of system "granularity" provides optimal flexibility, but can be unacceptably expensive in terms of performance and memory usage.</a:t>
             </a:r>
-            <a:endParaRPr lang="en-US" dirty="0"/>
           </a:p>
         </p:txBody>
       </p:sp>
@@ -4254,7 +4456,6 @@
               <a:rPr lang="en-US" dirty="0"/>
               <a:t>The Flyweight pattern describes how to share objects to allow their use at fine granularity without prohibitive cost. Each "flyweight" object is divided into two pieces: the state-dependent (extrinsic) part, and the state-independent (intrinsic) part. Intrinsic state is stored (shared) in the Flyweight object. Extrinsic state is stored or computed by client objects, and passed to the Flyweight when its operations are invoked.</a:t>
             </a:r>
-            <a:endParaRPr lang="en-US" dirty="0"/>
           </a:p>
         </p:txBody>
       </p:sp>
@@ -4343,7 +4544,6 @@
               <a:rPr lang="en-US" dirty="0"/>
               <a:t>An illustration of this approach would be Motif widgets that have been re-engineered as light-weight gadgets. Whereas widgets are "intelligent" enough to stand on their own; gadgets exist in a dependent relationship with their parent layout manager widget. Each layout manager provides context-dependent event handling, real estate management, and resource services to its flyweight gadgets, and each gadget is only responsible for context-independent state and behavior.</a:t>
             </a:r>
-            <a:endParaRPr lang="en-US" dirty="0"/>
           </a:p>
         </p:txBody>
       </p:sp>
@@ -4432,7 +4632,6 @@
               <a:rPr lang="en-US" dirty="0"/>
               <a:t>Flyweights are stored in a Factory's repository. The client restrains herself from creating Flyweights directly, and requests them from the Factory. Each Flyweight cannot stand on its own. Any attributes that would make sharing impossible must be supplied by the client whenever a request is made of the Flyweight. If the context lends itself to "economy of scale" (i.e. the client can easily compute or look-up the necessary attributes), then the Flyweight pattern offers appropriate leverage.</a:t>
             </a:r>
-            <a:endParaRPr lang="en-US" dirty="0"/>
           </a:p>
         </p:txBody>
       </p:sp>
